--- a/slides/18-functions-pt2.pptx
+++ b/slides/18-functions-pt2.pptx
@@ -5,7 +5,7 @@
     <p:sldMasterId id="2147483912" r:id="rId1"/>
   </p:sldMasterIdLst>
   <p:notesMasterIdLst>
-    <p:notesMasterId r:id="rId17"/>
+    <p:notesMasterId r:id="rId20"/>
   </p:notesMasterIdLst>
   <p:sldIdLst>
     <p:sldId id="282" r:id="rId2"/>
@@ -23,6 +23,9 @@
     <p:sldId id="292" r:id="rId14"/>
     <p:sldId id="293" r:id="rId15"/>
     <p:sldId id="306" r:id="rId16"/>
+    <p:sldId id="307" r:id="rId17"/>
+    <p:sldId id="308" r:id="rId18"/>
+    <p:sldId id="309" r:id="rId19"/>
   </p:sldIdLst>
   <p:sldSz cx="12192000" cy="6858000"/>
   <p:notesSz cx="6858000" cy="9144000"/>
@@ -211,7 +214,7 @@
           <a:p>
             <a:fld id="{5701B432-CA49-394F-A532-26B0D002A51A}" type="datetimeFigureOut">
               <a:rPr lang="en-US" smtClean="0"/>
-              <a:t>10/31/23</a:t>
+              <a:t>11/6/23</a:t>
             </a:fld>
             <a:endParaRPr lang="en-US"/>
           </a:p>
@@ -703,7 +706,7 @@
             <a:fld id="{5586B75A-687E-405C-8A0B-8D00578BA2C3}" type="datetimeFigureOut">
               <a:rPr lang="en-US" smtClean="0"/>
               <a:pPr/>
-              <a:t>10/31/23</a:t>
+              <a:t>11/6/23</a:t>
             </a:fld>
             <a:endParaRPr lang="en-US" dirty="0"/>
           </a:p>
@@ -875,7 +878,7 @@
             <a:fld id="{5586B75A-687E-405C-8A0B-8D00578BA2C3}" type="datetimeFigureOut">
               <a:rPr lang="en-US" smtClean="0"/>
               <a:pPr/>
-              <a:t>10/31/23</a:t>
+              <a:t>11/6/23</a:t>
             </a:fld>
             <a:endParaRPr lang="en-US" dirty="0"/>
           </a:p>
@@ -1057,7 +1060,7 @@
             <a:fld id="{5586B75A-687E-405C-8A0B-8D00578BA2C3}" type="datetimeFigureOut">
               <a:rPr lang="en-US" smtClean="0"/>
               <a:pPr/>
-              <a:t>10/31/23</a:t>
+              <a:t>11/6/23</a:t>
             </a:fld>
             <a:endParaRPr lang="en-US" dirty="0"/>
           </a:p>
@@ -1229,7 +1232,7 @@
             <a:fld id="{5586B75A-687E-405C-8A0B-8D00578BA2C3}" type="datetimeFigureOut">
               <a:rPr lang="en-US" smtClean="0"/>
               <a:pPr/>
-              <a:t>10/31/23</a:t>
+              <a:t>11/6/23</a:t>
             </a:fld>
             <a:endParaRPr lang="en-US" dirty="0"/>
           </a:p>
@@ -1485,7 +1488,7 @@
             <a:fld id="{5586B75A-687E-405C-8A0B-8D00578BA2C3}" type="datetimeFigureOut">
               <a:rPr lang="en-US" smtClean="0"/>
               <a:pPr/>
-              <a:t>10/31/23</a:t>
+              <a:t>11/6/23</a:t>
             </a:fld>
             <a:endParaRPr lang="en-US" dirty="0"/>
           </a:p>
@@ -1775,7 +1778,7 @@
             <a:fld id="{5586B75A-687E-405C-8A0B-8D00578BA2C3}" type="datetimeFigureOut">
               <a:rPr lang="en-US" smtClean="0"/>
               <a:pPr/>
-              <a:t>10/31/23</a:t>
+              <a:t>11/6/23</a:t>
             </a:fld>
             <a:endParaRPr lang="en-US" dirty="0"/>
           </a:p>
@@ -2219,7 +2222,7 @@
             <a:fld id="{5586B75A-687E-405C-8A0B-8D00578BA2C3}" type="datetimeFigureOut">
               <a:rPr lang="en-US" smtClean="0"/>
               <a:pPr/>
-              <a:t>10/31/23</a:t>
+              <a:t>11/6/23</a:t>
             </a:fld>
             <a:endParaRPr lang="en-US" dirty="0"/>
           </a:p>
@@ -2340,7 +2343,7 @@
             <a:fld id="{5586B75A-687E-405C-8A0B-8D00578BA2C3}" type="datetimeFigureOut">
               <a:rPr lang="en-US" smtClean="0"/>
               <a:pPr/>
-              <a:t>10/31/23</a:t>
+              <a:t>11/6/23</a:t>
             </a:fld>
             <a:endParaRPr lang="en-US" dirty="0"/>
           </a:p>
@@ -2437,7 +2440,7 @@
             <a:fld id="{5586B75A-687E-405C-8A0B-8D00578BA2C3}" type="datetimeFigureOut">
               <a:rPr lang="en-US" smtClean="0"/>
               <a:pPr/>
-              <a:t>10/31/23</a:t>
+              <a:t>11/6/23</a:t>
             </a:fld>
             <a:endParaRPr lang="en-US" dirty="0"/>
           </a:p>
@@ -2727,7 +2730,7 @@
             <a:fld id="{5586B75A-687E-405C-8A0B-8D00578BA2C3}" type="datetimeFigureOut">
               <a:rPr lang="en-US" smtClean="0"/>
               <a:pPr/>
-              <a:t>10/31/23</a:t>
+              <a:t>11/6/23</a:t>
             </a:fld>
             <a:endParaRPr lang="en-US" dirty="0"/>
           </a:p>
@@ -3002,7 +3005,7 @@
             <a:fld id="{5586B75A-687E-405C-8A0B-8D00578BA2C3}" type="datetimeFigureOut">
               <a:rPr lang="en-US" smtClean="0"/>
               <a:pPr/>
-              <a:t>10/31/23</a:t>
+              <a:t>11/6/23</a:t>
             </a:fld>
             <a:endParaRPr lang="en-US" dirty="0"/>
           </a:p>
@@ -3301,7 +3304,7 @@
             <a:fld id="{5586B75A-687E-405C-8A0B-8D00578BA2C3}" type="datetimeFigureOut">
               <a:rPr lang="en-US" smtClean="0"/>
               <a:pPr/>
-              <a:t>10/31/23</a:t>
+              <a:t>11/6/23</a:t>
             </a:fld>
             <a:endParaRPr lang="en-US" dirty="0"/>
           </a:p>
@@ -5552,19 +5555,449 @@
             <p:ph idx="1"/>
           </p:nvPr>
         </p:nvSpPr>
-        <p:spPr/>
-        <p:txBody>
-          <a:bodyPr/>
-          <a:lstStyle/>
-          <a:p>
-            <a:endParaRPr lang="en-US"/>
-          </a:p>
-        </p:txBody>
-      </p:sp>
+        <p:spPr>
+          <a:xfrm>
+            <a:off x="3869268" y="258417"/>
+            <a:ext cx="7315200" cy="5726331"/>
+          </a:xfrm>
+        </p:spPr>
+        <p:txBody>
+          <a:bodyPr anchor="t">
+            <a:normAutofit/>
+          </a:bodyPr>
+          <a:lstStyle/>
+          <a:p>
+            <a:r>
+              <a:rPr lang="en-US" sz="2400" dirty="0"/>
+              <a:t>Remember our </a:t>
+            </a:r>
+            <a:r>
+              <a:rPr lang="en-US" sz="2400" dirty="0" err="1"/>
+              <a:t>most_popular_year</a:t>
+            </a:r>
+            <a:r>
+              <a:rPr lang="en-US" sz="2400" dirty="0"/>
+              <a:t> function? Re-write this function to:</a:t>
+            </a:r>
+          </a:p>
+          <a:p>
+            <a:pPr lvl="1"/>
+            <a:r>
+              <a:rPr lang="en-US" sz="2200" dirty="0"/>
+              <a:t>Take data as an argument, with the default being </a:t>
+            </a:r>
+            <a:r>
+              <a:rPr lang="en-US" sz="2200" dirty="0" err="1"/>
+              <a:t>babynames</a:t>
+            </a:r>
+            <a:endParaRPr lang="en-US" sz="2200" dirty="0"/>
+          </a:p>
+          <a:p>
+            <a:r>
+              <a:rPr lang="en-US" sz="2400" dirty="0"/>
+              <a:t>Then, call your function for the name “Scout” for M and F babies separately </a:t>
+            </a:r>
+          </a:p>
+        </p:txBody>
+      </p:sp>
+      <p:pic>
+        <p:nvPicPr>
+          <p:cNvPr id="4" name="Picture 3" descr="A computer screen shot of a function&#10;&#10;Description automatically generated">
+            <a:extLst>
+              <a:ext uri="{FF2B5EF4-FFF2-40B4-BE49-F238E27FC236}">
+                <a16:creationId xmlns:a16="http://schemas.microsoft.com/office/drawing/2014/main" id="{90A56A1D-6658-FEEC-E0A4-2C6CE7C8EAFF}"/>
+              </a:ext>
+            </a:extLst>
+          </p:cNvPr>
+          <p:cNvPicPr>
+            <a:picLocks noChangeAspect="1"/>
+          </p:cNvPicPr>
+          <p:nvPr/>
+        </p:nvPicPr>
+        <p:blipFill>
+          <a:blip r:embed="rId2"/>
+          <a:stretch>
+            <a:fillRect/>
+          </a:stretch>
+        </p:blipFill>
+        <p:spPr>
+          <a:xfrm>
+            <a:off x="3200401" y="2504109"/>
+            <a:ext cx="8393694" cy="4095474"/>
+          </a:xfrm>
+          <a:prstGeom prst="rect">
+            <a:avLst/>
+          </a:prstGeom>
+        </p:spPr>
+      </p:pic>
     </p:spTree>
     <p:extLst>
       <p:ext uri="{BB962C8B-B14F-4D97-AF65-F5344CB8AC3E}">
         <p14:creationId xmlns:p14="http://schemas.microsoft.com/office/powerpoint/2010/main" val="1767912414"/>
+      </p:ext>
+    </p:extLst>
+  </p:cSld>
+  <p:clrMapOvr>
+    <a:masterClrMapping/>
+  </p:clrMapOvr>
+</p:sld>
+</file>
+
+<file path=ppt/slides/slide16.xml><?xml version="1.0" encoding="utf-8"?>
+<p:sld xmlns:a="http://schemas.openxmlformats.org/drawingml/2006/main" xmlns:r="http://schemas.openxmlformats.org/officeDocument/2006/relationships" xmlns:p="http://schemas.openxmlformats.org/presentationml/2006/main">
+  <p:cSld>
+    <p:spTree>
+      <p:nvGrpSpPr>
+        <p:cNvPr id="1" name=""/>
+        <p:cNvGrpSpPr/>
+        <p:nvPr/>
+      </p:nvGrpSpPr>
+      <p:grpSpPr>
+        <a:xfrm>
+          <a:off x="0" y="0"/>
+          <a:ext cx="0" cy="0"/>
+          <a:chOff x="0" y="0"/>
+          <a:chExt cx="0" cy="0"/>
+        </a:xfrm>
+      </p:grpSpPr>
+      <p:sp>
+        <p:nvSpPr>
+          <p:cNvPr id="2" name="Title 1">
+            <a:extLst>
+              <a:ext uri="{FF2B5EF4-FFF2-40B4-BE49-F238E27FC236}">
+                <a16:creationId xmlns:a16="http://schemas.microsoft.com/office/drawing/2014/main" id="{BF03C076-7309-C187-E6C7-799F192164FD}"/>
+              </a:ext>
+            </a:extLst>
+          </p:cNvPr>
+          <p:cNvSpPr>
+            <a:spLocks noGrp="1"/>
+          </p:cNvSpPr>
+          <p:nvPr>
+            <p:ph type="title"/>
+          </p:nvPr>
+        </p:nvSpPr>
+        <p:spPr/>
+        <p:txBody>
+          <a:bodyPr/>
+          <a:lstStyle/>
+          <a:p>
+            <a:r>
+              <a:rPr lang="en-US"/>
+              <a:t>Practice</a:t>
+            </a:r>
+            <a:endParaRPr lang="en-US" dirty="0"/>
+          </a:p>
+        </p:txBody>
+      </p:sp>
+      <p:sp>
+        <p:nvSpPr>
+          <p:cNvPr id="3" name="Content Placeholder 2">
+            <a:extLst>
+              <a:ext uri="{FF2B5EF4-FFF2-40B4-BE49-F238E27FC236}">
+                <a16:creationId xmlns:a16="http://schemas.microsoft.com/office/drawing/2014/main" id="{A8BCC38A-C6A1-0382-AD4A-1EC707516C47}"/>
+              </a:ext>
+            </a:extLst>
+          </p:cNvPr>
+          <p:cNvSpPr>
+            <a:spLocks noGrp="1"/>
+          </p:cNvSpPr>
+          <p:nvPr>
+            <p:ph idx="1"/>
+          </p:nvPr>
+        </p:nvSpPr>
+        <p:spPr>
+          <a:xfrm>
+            <a:off x="3869268" y="258417"/>
+            <a:ext cx="7315200" cy="5726331"/>
+          </a:xfrm>
+        </p:spPr>
+        <p:txBody>
+          <a:bodyPr anchor="t">
+            <a:normAutofit/>
+          </a:bodyPr>
+          <a:lstStyle/>
+          <a:p>
+            <a:r>
+              <a:rPr lang="en-US" sz="2400" dirty="0"/>
+              <a:t>Write a function that will computer the 10 most popular baby names for a given dataset </a:t>
+            </a:r>
+          </a:p>
+        </p:txBody>
+      </p:sp>
+    </p:spTree>
+    <p:extLst>
+      <p:ext uri="{BB962C8B-B14F-4D97-AF65-F5344CB8AC3E}">
+        <p14:creationId xmlns:p14="http://schemas.microsoft.com/office/powerpoint/2010/main" val="2667369979"/>
+      </p:ext>
+    </p:extLst>
+  </p:cSld>
+  <p:clrMapOvr>
+    <a:masterClrMapping/>
+  </p:clrMapOvr>
+</p:sld>
+</file>
+
+<file path=ppt/slides/slide17.xml><?xml version="1.0" encoding="utf-8"?>
+<p:sld xmlns:a="http://schemas.openxmlformats.org/drawingml/2006/main" xmlns:r="http://schemas.openxmlformats.org/officeDocument/2006/relationships" xmlns:p="http://schemas.openxmlformats.org/presentationml/2006/main">
+  <p:cSld>
+    <p:spTree>
+      <p:nvGrpSpPr>
+        <p:cNvPr id="1" name=""/>
+        <p:cNvGrpSpPr/>
+        <p:nvPr/>
+      </p:nvGrpSpPr>
+      <p:grpSpPr>
+        <a:xfrm>
+          <a:off x="0" y="0"/>
+          <a:ext cx="0" cy="0"/>
+          <a:chOff x="0" y="0"/>
+          <a:chExt cx="0" cy="0"/>
+        </a:xfrm>
+      </p:grpSpPr>
+      <p:sp>
+        <p:nvSpPr>
+          <p:cNvPr id="2" name="Title 1">
+            <a:extLst>
+              <a:ext uri="{FF2B5EF4-FFF2-40B4-BE49-F238E27FC236}">
+                <a16:creationId xmlns:a16="http://schemas.microsoft.com/office/drawing/2014/main" id="{BF03C076-7309-C187-E6C7-799F192164FD}"/>
+              </a:ext>
+            </a:extLst>
+          </p:cNvPr>
+          <p:cNvSpPr>
+            <a:spLocks noGrp="1"/>
+          </p:cNvSpPr>
+          <p:nvPr>
+            <p:ph type="title"/>
+          </p:nvPr>
+        </p:nvSpPr>
+        <p:spPr/>
+        <p:txBody>
+          <a:bodyPr/>
+          <a:lstStyle/>
+          <a:p>
+            <a:r>
+              <a:rPr lang="en-US"/>
+              <a:t>Practice</a:t>
+            </a:r>
+            <a:endParaRPr lang="en-US" dirty="0"/>
+          </a:p>
+        </p:txBody>
+      </p:sp>
+      <p:sp>
+        <p:nvSpPr>
+          <p:cNvPr id="3" name="Content Placeholder 2">
+            <a:extLst>
+              <a:ext uri="{FF2B5EF4-FFF2-40B4-BE49-F238E27FC236}">
+                <a16:creationId xmlns:a16="http://schemas.microsoft.com/office/drawing/2014/main" id="{A8BCC38A-C6A1-0382-AD4A-1EC707516C47}"/>
+              </a:ext>
+            </a:extLst>
+          </p:cNvPr>
+          <p:cNvSpPr>
+            <a:spLocks noGrp="1"/>
+          </p:cNvSpPr>
+          <p:nvPr>
+            <p:ph idx="1"/>
+          </p:nvPr>
+        </p:nvSpPr>
+        <p:spPr>
+          <a:xfrm>
+            <a:off x="3869268" y="258417"/>
+            <a:ext cx="7315200" cy="5726331"/>
+          </a:xfrm>
+        </p:spPr>
+        <p:txBody>
+          <a:bodyPr anchor="t">
+            <a:normAutofit/>
+          </a:bodyPr>
+          <a:lstStyle/>
+          <a:p>
+            <a:r>
+              <a:rPr lang="en-US" sz="2400" dirty="0"/>
+              <a:t>Write a function that will computer the 10 most popular baby names for a given dataset</a:t>
+            </a:r>
+          </a:p>
+        </p:txBody>
+      </p:sp>
+      <p:pic>
+        <p:nvPicPr>
+          <p:cNvPr id="5" name="Picture 4" descr="A computer screen shot of a function&#10;&#10;Description automatically generated">
+            <a:extLst>
+              <a:ext uri="{FF2B5EF4-FFF2-40B4-BE49-F238E27FC236}">
+                <a16:creationId xmlns:a16="http://schemas.microsoft.com/office/drawing/2014/main" id="{D46C6843-9854-2B3F-1AEF-B33A504A50FD}"/>
+              </a:ext>
+            </a:extLst>
+          </p:cNvPr>
+          <p:cNvPicPr>
+            <a:picLocks noChangeAspect="1"/>
+          </p:cNvPicPr>
+          <p:nvPr/>
+        </p:nvPicPr>
+        <p:blipFill>
+          <a:blip r:embed="rId2"/>
+          <a:stretch>
+            <a:fillRect/>
+          </a:stretch>
+        </p:blipFill>
+        <p:spPr>
+          <a:xfrm>
+            <a:off x="3049825" y="1375029"/>
+            <a:ext cx="9142175" cy="4098798"/>
+          </a:xfrm>
+          <a:prstGeom prst="rect">
+            <a:avLst/>
+          </a:prstGeom>
+        </p:spPr>
+      </p:pic>
+    </p:spTree>
+    <p:extLst>
+      <p:ext uri="{BB962C8B-B14F-4D97-AF65-F5344CB8AC3E}">
+        <p14:creationId xmlns:p14="http://schemas.microsoft.com/office/powerpoint/2010/main" val="3144090274"/>
+      </p:ext>
+    </p:extLst>
+  </p:cSld>
+  <p:clrMapOvr>
+    <a:masterClrMapping/>
+  </p:clrMapOvr>
+</p:sld>
+</file>
+
+<file path=ppt/slides/slide18.xml><?xml version="1.0" encoding="utf-8"?>
+<p:sld xmlns:a="http://schemas.openxmlformats.org/drawingml/2006/main" xmlns:r="http://schemas.openxmlformats.org/officeDocument/2006/relationships" xmlns:p="http://schemas.openxmlformats.org/presentationml/2006/main">
+  <p:cSld>
+    <p:spTree>
+      <p:nvGrpSpPr>
+        <p:cNvPr id="1" name=""/>
+        <p:cNvGrpSpPr/>
+        <p:nvPr/>
+      </p:nvGrpSpPr>
+      <p:grpSpPr>
+        <a:xfrm>
+          <a:off x="0" y="0"/>
+          <a:ext cx="0" cy="0"/>
+          <a:chOff x="0" y="0"/>
+          <a:chExt cx="0" cy="0"/>
+        </a:xfrm>
+      </p:grpSpPr>
+      <p:sp>
+        <p:nvSpPr>
+          <p:cNvPr id="2" name="Title 1">
+            <a:extLst>
+              <a:ext uri="{FF2B5EF4-FFF2-40B4-BE49-F238E27FC236}">
+                <a16:creationId xmlns:a16="http://schemas.microsoft.com/office/drawing/2014/main" id="{BF03C076-7309-C187-E6C7-799F192164FD}"/>
+              </a:ext>
+            </a:extLst>
+          </p:cNvPr>
+          <p:cNvSpPr>
+            <a:spLocks noGrp="1"/>
+          </p:cNvSpPr>
+          <p:nvPr>
+            <p:ph type="title"/>
+          </p:nvPr>
+        </p:nvSpPr>
+        <p:spPr/>
+        <p:txBody>
+          <a:bodyPr/>
+          <a:lstStyle/>
+          <a:p>
+            <a:r>
+              <a:rPr lang="en-US"/>
+              <a:t>Practice</a:t>
+            </a:r>
+            <a:endParaRPr lang="en-US" dirty="0"/>
+          </a:p>
+        </p:txBody>
+      </p:sp>
+      <p:sp>
+        <p:nvSpPr>
+          <p:cNvPr id="3" name="Content Placeholder 2">
+            <a:extLst>
+              <a:ext uri="{FF2B5EF4-FFF2-40B4-BE49-F238E27FC236}">
+                <a16:creationId xmlns:a16="http://schemas.microsoft.com/office/drawing/2014/main" id="{A8BCC38A-C6A1-0382-AD4A-1EC707516C47}"/>
+              </a:ext>
+            </a:extLst>
+          </p:cNvPr>
+          <p:cNvSpPr>
+            <a:spLocks noGrp="1"/>
+          </p:cNvSpPr>
+          <p:nvPr>
+            <p:ph idx="1"/>
+          </p:nvPr>
+        </p:nvSpPr>
+        <p:spPr>
+          <a:xfrm>
+            <a:off x="3869268" y="258417"/>
+            <a:ext cx="7315200" cy="5726331"/>
+          </a:xfrm>
+        </p:spPr>
+        <p:txBody>
+          <a:bodyPr anchor="t">
+            <a:normAutofit/>
+          </a:bodyPr>
+          <a:lstStyle/>
+          <a:p>
+            <a:r>
+              <a:rPr lang="en-US" sz="2400" dirty="0"/>
+              <a:t>Write a function that will computer the 10 most popular baby names for a given dataset</a:t>
+            </a:r>
+          </a:p>
+          <a:p>
+            <a:r>
+              <a:rPr lang="en-US" sz="2400" dirty="0"/>
+              <a:t>Call this function for each of the </a:t>
+            </a:r>
+            <a:r>
+              <a:rPr lang="en-US" sz="2400" b="1" dirty="0"/>
+              <a:t>most recent three decades </a:t>
+            </a:r>
+            <a:r>
+              <a:rPr lang="en-US" sz="2400" dirty="0"/>
+              <a:t>in the </a:t>
+            </a:r>
+            <a:r>
+              <a:rPr lang="en-US" sz="2400" dirty="0" err="1"/>
+              <a:t>babynames</a:t>
+            </a:r>
+            <a:r>
+              <a:rPr lang="en-US" sz="2400" dirty="0"/>
+              <a:t> dataset  </a:t>
+            </a:r>
+          </a:p>
+        </p:txBody>
+      </p:sp>
+      <p:pic>
+        <p:nvPicPr>
+          <p:cNvPr id="5" name="Picture 4" descr="A computer screen shot of a function&#10;&#10;Description automatically generated">
+            <a:extLst>
+              <a:ext uri="{FF2B5EF4-FFF2-40B4-BE49-F238E27FC236}">
+                <a16:creationId xmlns:a16="http://schemas.microsoft.com/office/drawing/2014/main" id="{D46C6843-9854-2B3F-1AEF-B33A504A50FD}"/>
+              </a:ext>
+            </a:extLst>
+          </p:cNvPr>
+          <p:cNvPicPr>
+            <a:picLocks noChangeAspect="1"/>
+          </p:cNvPicPr>
+          <p:nvPr/>
+        </p:nvPicPr>
+        <p:blipFill>
+          <a:blip r:embed="rId2"/>
+          <a:stretch>
+            <a:fillRect/>
+          </a:stretch>
+        </p:blipFill>
+        <p:spPr>
+          <a:xfrm>
+            <a:off x="3049825" y="2143655"/>
+            <a:ext cx="9142175" cy="4098798"/>
+          </a:xfrm>
+          <a:prstGeom prst="rect">
+            <a:avLst/>
+          </a:prstGeom>
+        </p:spPr>
+      </p:pic>
+    </p:spTree>
+    <p:extLst>
+      <p:ext uri="{BB962C8B-B14F-4D97-AF65-F5344CB8AC3E}">
+        <p14:creationId xmlns:p14="http://schemas.microsoft.com/office/powerpoint/2010/main" val="3100759925"/>
       </p:ext>
     </p:extLst>
   </p:cSld>
